--- a/lcj_gm_32.pptx
+++ b/lcj_gm_32.pptx
@@ -16468,8 +16468,8 @@
           </a:p>
         </p:txBody>
       </p:sp>
-      <mc:AlternateContent xmlns:mc="http://schemas.openxmlformats.org/markup-compatibility/2006">
-        <mc:Choice xmlns:a14="http://schemas.microsoft.com/office/drawing/2010/main" Requires="a14">
+      <mc:AlternateContent xmlns:mc="http://schemas.openxmlformats.org/markup-compatibility/2006" xmlns:a14="http://schemas.microsoft.com/office/drawing/2010/main">
+        <mc:Choice Requires="a14">
           <p:sp>
             <p:nvSpPr>
               <p:cNvPr id="17" name="文本框 16">
@@ -16537,7 +16537,7 @@
             </p:txBody>
           </p:sp>
         </mc:Choice>
-        <mc:Fallback>
+        <mc:Fallback xmlns="">
           <p:sp>
             <p:nvSpPr>
               <p:cNvPr id="17" name="文本框 16">
@@ -22856,8 +22856,8 @@
           </a:p>
         </p:txBody>
       </p:sp>
-      <mc:AlternateContent xmlns:mc="http://schemas.openxmlformats.org/markup-compatibility/2006">
-        <mc:Choice xmlns:a14="http://schemas.microsoft.com/office/drawing/2010/main" Requires="a14">
+      <mc:AlternateContent xmlns:mc="http://schemas.openxmlformats.org/markup-compatibility/2006" xmlns:a14="http://schemas.microsoft.com/office/drawing/2010/main">
+        <mc:Choice Requires="a14">
           <p:sp>
             <p:nvSpPr>
               <p:cNvPr id="39" name="文本框 19">
@@ -23156,7 +23156,7 @@
             </p:txBody>
           </p:sp>
         </mc:Choice>
-        <mc:Fallback>
+        <mc:Fallback xmlns="">
           <p:sp>
             <p:nvSpPr>
               <p:cNvPr id="39" name="文本框 19">
@@ -23741,8 +23741,8 @@
           </a:p>
         </p:txBody>
       </p:sp>
-      <mc:AlternateContent xmlns:mc="http://schemas.openxmlformats.org/markup-compatibility/2006">
-        <mc:Choice xmlns:a14="http://schemas.microsoft.com/office/drawing/2010/main" Requires="a14">
+      <mc:AlternateContent xmlns:mc="http://schemas.openxmlformats.org/markup-compatibility/2006" xmlns:a14="http://schemas.microsoft.com/office/drawing/2010/main">
+        <mc:Choice Requires="a14">
           <p:sp>
             <p:nvSpPr>
               <p:cNvPr id="6" name="タイトル 1">
@@ -23793,7 +23793,7 @@
             </p:txBody>
           </p:sp>
         </mc:Choice>
-        <mc:Fallback>
+        <mc:Fallback xmlns="">
           <p:sp>
             <p:nvSpPr>
               <p:cNvPr id="6" name="タイトル 1">
@@ -24850,7 +24850,7 @@
         <p:spPr>
           <a:xfrm>
             <a:off x="849086" y="1175657"/>
-            <a:ext cx="2595582" cy="2308324"/>
+            <a:ext cx="3877985" cy="2862322"/>
           </a:xfrm>
           <a:prstGeom prst="rect">
             <a:avLst/>
@@ -24971,6 +24971,16 @@
             <a:r>
               <a:rPr lang="ja-JP" altLang="en-US" dirty="0"/>
               <a:t>で中間発表</a:t>
+            </a:r>
+            <a:endParaRPr lang="en-US" altLang="ja-JP" dirty="0"/>
+          </a:p>
+          <a:p>
+            <a:endParaRPr lang="en-US" altLang="ja-JP" dirty="0"/>
+          </a:p>
+          <a:p>
+            <a:r>
+              <a:rPr lang="ja-JP" altLang="en-US" dirty="0"/>
+              <a:t>次回は中間発表の予行演習する予定</a:t>
             </a:r>
             <a:endParaRPr lang="en-US" altLang="ja-JP" dirty="0"/>
           </a:p>
